--- a/Tech Talk - Chef.pptx
+++ b/Tech Talk - Chef.pptx
@@ -21,6 +21,7 @@
     <p:sldId id="266" r:id="rId15"/>
     <p:sldId id="267" r:id="rId16"/>
     <p:sldId id="268" r:id="rId17"/>
+    <p:sldId id="269" r:id="rId18"/>
   </p:sldIdLst>
   <p:sldSz cy="5143500" cx="9144000"/>
   <p:notesSz cx="6858000" cy="9144000"/>
@@ -478,7 +479,7 @@
   <p:cSld>
     <p:spTree>
       <p:nvGrpSpPr>
-        <p:cNvPr id="106" name="Shape 106"/>
+        <p:cNvPr id="105" name="Shape 105"/>
         <p:cNvGrpSpPr/>
         <p:nvPr/>
       </p:nvGrpSpPr>
@@ -492,7 +493,7 @@
       </p:grpSpPr>
       <p:sp>
         <p:nvSpPr>
-          <p:cNvPr id="107" name="Shape 107"/>
+          <p:cNvPr id="106" name="Shape 106"/>
           <p:cNvSpPr/>
           <p:nvPr>
             <p:ph idx="2" type="sldImg"/>
@@ -526,7 +527,7 @@
       </p:sp>
       <p:sp>
         <p:nvSpPr>
-          <p:cNvPr id="108" name="Shape 108"/>
+          <p:cNvPr id="107" name="Shape 107"/>
           <p:cNvSpPr txBox="1"/>
           <p:nvPr>
             <p:ph idx="1" type="body"/>
@@ -573,7 +574,7 @@
   <p:cSld>
     <p:spTree>
       <p:nvGrpSpPr>
-        <p:cNvPr id="112" name="Shape 112"/>
+        <p:cNvPr id="111" name="Shape 111"/>
         <p:cNvGrpSpPr/>
         <p:nvPr/>
       </p:nvGrpSpPr>
@@ -587,7 +588,7 @@
       </p:grpSpPr>
       <p:sp>
         <p:nvSpPr>
-          <p:cNvPr id="113" name="Shape 113"/>
+          <p:cNvPr id="112" name="Shape 112"/>
           <p:cNvSpPr/>
           <p:nvPr>
             <p:ph idx="2" type="sldImg"/>
@@ -621,7 +622,7 @@
       </p:sp>
       <p:sp>
         <p:nvSpPr>
-          <p:cNvPr id="114" name="Shape 114"/>
+          <p:cNvPr id="113" name="Shape 113"/>
           <p:cNvSpPr txBox="1"/>
           <p:nvPr>
             <p:ph idx="1" type="body"/>
@@ -668,7 +669,7 @@
   <p:cSld>
     <p:spTree>
       <p:nvGrpSpPr>
-        <p:cNvPr id="118" name="Shape 118"/>
+        <p:cNvPr id="117" name="Shape 117"/>
         <p:cNvGrpSpPr/>
         <p:nvPr/>
       </p:nvGrpSpPr>
@@ -682,7 +683,7 @@
       </p:grpSpPr>
       <p:sp>
         <p:nvSpPr>
-          <p:cNvPr id="119" name="Shape 119"/>
+          <p:cNvPr id="118" name="Shape 118"/>
           <p:cNvSpPr/>
           <p:nvPr>
             <p:ph idx="2" type="sldImg"/>
@@ -716,7 +717,7 @@
       </p:sp>
       <p:sp>
         <p:nvSpPr>
-          <p:cNvPr id="120" name="Shape 120"/>
+          <p:cNvPr id="119" name="Shape 119"/>
           <p:cNvSpPr txBox="1"/>
           <p:nvPr>
             <p:ph idx="1" type="body"/>
@@ -763,7 +764,7 @@
   <p:cSld>
     <p:spTree>
       <p:nvGrpSpPr>
-        <p:cNvPr id="124" name="Shape 124"/>
+        <p:cNvPr id="123" name="Shape 123"/>
         <p:cNvGrpSpPr/>
         <p:nvPr/>
       </p:nvGrpSpPr>
@@ -777,7 +778,7 @@
       </p:grpSpPr>
       <p:sp>
         <p:nvSpPr>
-          <p:cNvPr id="125" name="Shape 125"/>
+          <p:cNvPr id="124" name="Shape 124"/>
           <p:cNvSpPr/>
           <p:nvPr>
             <p:ph idx="2" type="sldImg"/>
@@ -811,7 +812,102 @@
       </p:sp>
       <p:sp>
         <p:nvSpPr>
-          <p:cNvPr id="126" name="Shape 126"/>
+          <p:cNvPr id="125" name="Shape 125"/>
+          <p:cNvSpPr txBox="1"/>
+          <p:nvPr>
+            <p:ph idx="1" type="body"/>
+          </p:nvPr>
+        </p:nvSpPr>
+        <p:spPr>
+          <a:xfrm>
+            <a:off x="685800" y="4343400"/>
+            <a:ext cx="5486400" cy="4114800"/>
+          </a:xfrm>
+          <a:prstGeom prst="rect">
+            <a:avLst/>
+          </a:prstGeom>
+        </p:spPr>
+        <p:txBody>
+          <a:bodyPr anchorCtr="0" anchor="t" bIns="91425" lIns="91425" rIns="91425" tIns="91425">
+            <a:noAutofit/>
+          </a:bodyPr>
+          <a:lstStyle/>
+          <a:p>
+            <a:pPr lvl="0" rtl="0">
+              <a:spcBef>
+                <a:spcPts val="0"/>
+              </a:spcBef>
+              <a:buNone/>
+            </a:pPr>
+            <a:r>
+              <a:t/>
+            </a:r>
+            <a:endParaRPr/>
+          </a:p>
+        </p:txBody>
+      </p:sp>
+    </p:spTree>
+  </p:cSld>
+  <p:clrMapOvr>
+    <a:masterClrMapping/>
+  </p:clrMapOvr>
+</p:notes>
+</file>
+
+<file path=ppt/notesSlides/notesSlide14.xml><?xml version="1.0" encoding="utf-8"?>
+<p:notes xmlns:a="http://schemas.openxmlformats.org/drawingml/2006/main" xmlns:r="http://schemas.openxmlformats.org/officeDocument/2006/relationships" xmlns:mc="http://schemas.openxmlformats.org/markup-compatibility/2006" xmlns:mv="urn:schemas-microsoft-com:mac:vml" xmlns:p="http://schemas.openxmlformats.org/presentationml/2006/main" xmlns:c="http://schemas.openxmlformats.org/drawingml/2006/chart" xmlns:dgm="http://schemas.openxmlformats.org/drawingml/2006/diagram" xmlns:o="urn:schemas-microsoft-com:office:office" xmlns:v="urn:schemas-microsoft-com:vml" xmlns:pvml="urn:schemas-microsoft-com:office:powerpoint" xmlns:com="http://schemas.openxmlformats.org/drawingml/2006/compatibility" xmlns:p14="http://schemas.microsoft.com/office/powerpoint/2010/main" showMasterPhAnim="0" showMasterSp="0">
+  <p:cSld>
+    <p:spTree>
+      <p:nvGrpSpPr>
+        <p:cNvPr id="129" name="Shape 129"/>
+        <p:cNvGrpSpPr/>
+        <p:nvPr/>
+      </p:nvGrpSpPr>
+      <p:grpSpPr>
+        <a:xfrm>
+          <a:off x="0" y="0"/>
+          <a:ext cx="0" cy="0"/>
+          <a:chOff x="0" y="0"/>
+          <a:chExt cx="0" cy="0"/>
+        </a:xfrm>
+      </p:grpSpPr>
+      <p:sp>
+        <p:nvSpPr>
+          <p:cNvPr id="130" name="Shape 130"/>
+          <p:cNvSpPr/>
+          <p:nvPr>
+            <p:ph idx="2" type="sldImg"/>
+          </p:nvPr>
+        </p:nvSpPr>
+        <p:spPr>
+          <a:xfrm>
+            <a:off x="381300" y="685800"/>
+            <a:ext cx="6096000" cy="3429000"/>
+          </a:xfrm>
+          <a:custGeom>
+            <a:pathLst>
+              <a:path extrusionOk="0" h="120000" w="120000">
+                <a:moveTo>
+                  <a:pt x="0" y="0"/>
+                </a:moveTo>
+                <a:lnTo>
+                  <a:pt x="120000" y="0"/>
+                </a:lnTo>
+                <a:lnTo>
+                  <a:pt x="120000" y="120000"/>
+                </a:lnTo>
+                <a:lnTo>
+                  <a:pt x="0" y="120000"/>
+                </a:lnTo>
+                <a:close/>
+              </a:path>
+            </a:pathLst>
+          </a:custGeom>
+        </p:spPr>
+      </p:sp>
+      <p:sp>
+        <p:nvSpPr>
+          <p:cNvPr id="131" name="Shape 131"/>
           <p:cNvSpPr txBox="1"/>
           <p:nvPr>
             <p:ph idx="1" type="body"/>
@@ -1238,7 +1334,7 @@
   <p:cSld>
     <p:spTree>
       <p:nvGrpSpPr>
-        <p:cNvPr id="83" name="Shape 83"/>
+        <p:cNvPr id="82" name="Shape 82"/>
         <p:cNvGrpSpPr/>
         <p:nvPr/>
       </p:nvGrpSpPr>
@@ -1252,7 +1348,7 @@
       </p:grpSpPr>
       <p:sp>
         <p:nvSpPr>
-          <p:cNvPr id="84" name="Shape 84"/>
+          <p:cNvPr id="83" name="Shape 83"/>
           <p:cNvSpPr/>
           <p:nvPr>
             <p:ph idx="2" type="sldImg"/>
@@ -1286,7 +1382,7 @@
       </p:sp>
       <p:sp>
         <p:nvSpPr>
-          <p:cNvPr id="85" name="Shape 85"/>
+          <p:cNvPr id="84" name="Shape 84"/>
           <p:cNvSpPr txBox="1"/>
           <p:nvPr>
             <p:ph idx="1" type="body"/>
@@ -1333,7 +1429,7 @@
   <p:cSld>
     <p:spTree>
       <p:nvGrpSpPr>
-        <p:cNvPr id="89" name="Shape 89"/>
+        <p:cNvPr id="88" name="Shape 88"/>
         <p:cNvGrpSpPr/>
         <p:nvPr/>
       </p:nvGrpSpPr>
@@ -1347,7 +1443,7 @@
       </p:grpSpPr>
       <p:sp>
         <p:nvSpPr>
-          <p:cNvPr id="90" name="Shape 90"/>
+          <p:cNvPr id="89" name="Shape 89"/>
           <p:cNvSpPr/>
           <p:nvPr>
             <p:ph idx="2" type="sldImg"/>
@@ -1381,7 +1477,7 @@
       </p:sp>
       <p:sp>
         <p:nvSpPr>
-          <p:cNvPr id="91" name="Shape 91"/>
+          <p:cNvPr id="90" name="Shape 90"/>
           <p:cNvSpPr txBox="1"/>
           <p:nvPr>
             <p:ph idx="1" type="body"/>
@@ -1428,7 +1524,7 @@
   <p:cSld>
     <p:spTree>
       <p:nvGrpSpPr>
-        <p:cNvPr id="94" name="Shape 94"/>
+        <p:cNvPr id="93" name="Shape 93"/>
         <p:cNvGrpSpPr/>
         <p:nvPr/>
       </p:nvGrpSpPr>
@@ -1442,7 +1538,7 @@
       </p:grpSpPr>
       <p:sp>
         <p:nvSpPr>
-          <p:cNvPr id="95" name="Shape 95"/>
+          <p:cNvPr id="94" name="Shape 94"/>
           <p:cNvSpPr/>
           <p:nvPr>
             <p:ph idx="2" type="sldImg"/>
@@ -1476,7 +1572,7 @@
       </p:sp>
       <p:sp>
         <p:nvSpPr>
-          <p:cNvPr id="96" name="Shape 96"/>
+          <p:cNvPr id="95" name="Shape 95"/>
           <p:cNvSpPr txBox="1"/>
           <p:nvPr>
             <p:ph idx="1" type="body"/>
@@ -1523,7 +1619,7 @@
   <p:cSld>
     <p:spTree>
       <p:nvGrpSpPr>
-        <p:cNvPr id="100" name="Shape 100"/>
+        <p:cNvPr id="99" name="Shape 99"/>
         <p:cNvGrpSpPr/>
         <p:nvPr/>
       </p:nvGrpSpPr>
@@ -1537,7 +1633,7 @@
       </p:grpSpPr>
       <p:sp>
         <p:nvSpPr>
-          <p:cNvPr id="101" name="Shape 101"/>
+          <p:cNvPr id="100" name="Shape 100"/>
           <p:cNvSpPr/>
           <p:nvPr>
             <p:ph idx="2" type="sldImg"/>
@@ -1571,7 +1667,7 @@
       </p:sp>
       <p:sp>
         <p:nvSpPr>
-          <p:cNvPr id="102" name="Shape 102"/>
+          <p:cNvPr id="101" name="Shape 101"/>
           <p:cNvSpPr txBox="1"/>
           <p:nvPr>
             <p:ph idx="1" type="body"/>
@@ -5112,7 +5208,7 @@
   <p:cSld>
     <p:spTree>
       <p:nvGrpSpPr>
-        <p:cNvPr id="109" name="Shape 109"/>
+        <p:cNvPr id="108" name="Shape 108"/>
         <p:cNvGrpSpPr/>
         <p:nvPr/>
       </p:nvGrpSpPr>
@@ -5126,7 +5222,7 @@
       </p:grpSpPr>
       <p:sp>
         <p:nvSpPr>
-          <p:cNvPr id="110" name="Shape 110"/>
+          <p:cNvPr id="109" name="Shape 109"/>
           <p:cNvSpPr txBox="1"/>
           <p:nvPr>
             <p:ph type="title"/>
@@ -5182,7 +5278,7 @@
       </p:sp>
       <p:sp>
         <p:nvSpPr>
-          <p:cNvPr id="111" name="Shape 111"/>
+          <p:cNvPr id="110" name="Shape 110"/>
           <p:cNvSpPr txBox="1"/>
           <p:nvPr>
             <p:ph idx="1" type="body"/>
@@ -5367,7 +5463,7 @@
   <p:cSld>
     <p:spTree>
       <p:nvGrpSpPr>
-        <p:cNvPr id="115" name="Shape 115"/>
+        <p:cNvPr id="114" name="Shape 114"/>
         <p:cNvGrpSpPr/>
         <p:nvPr/>
       </p:nvGrpSpPr>
@@ -5381,7 +5477,7 @@
       </p:grpSpPr>
       <p:sp>
         <p:nvSpPr>
-          <p:cNvPr id="116" name="Shape 116"/>
+          <p:cNvPr id="115" name="Shape 115"/>
           <p:cNvSpPr txBox="1"/>
           <p:nvPr>
             <p:ph type="title"/>
@@ -5389,8 +5485,8 @@
         </p:nvSpPr>
         <p:spPr>
           <a:xfrm>
-            <a:off x="2659675" y="1601775"/>
-            <a:ext cx="3737100" cy="1262700"/>
+            <a:off x="311700" y="445025"/>
+            <a:ext cx="8520600" cy="572700"/>
           </a:xfrm>
           <a:prstGeom prst="rect">
             <a:avLst/>
@@ -5409,40 +5505,176 @@
               <a:buNone/>
             </a:pPr>
             <a:r>
-              <a:rPr lang="en" sz="4800"/>
-              <a:t>Thank you! </a:t>
-            </a:r>
+              <a:rPr lang="en">
+                <a:solidFill>
+                  <a:srgbClr val="434343"/>
+                </a:solidFill>
+              </a:rPr>
+              <a:t>Verdict</a:t>
+            </a:r>
+          </a:p>
+          <a:p>
+            <a:pPr lvl="0" rtl="0">
+              <a:spcBef>
+                <a:spcPts val="0"/>
+              </a:spcBef>
+              <a:buNone/>
+            </a:pPr>
+            <a:r>
+              <a:t/>
+            </a:r>
+            <a:endParaRPr>
+              <a:solidFill>
+                <a:srgbClr val="434343"/>
+              </a:solidFill>
+            </a:endParaRPr>
           </a:p>
         </p:txBody>
       </p:sp>
-      <p:pic>
-        <p:nvPicPr>
-          <p:cNvPr descr="questions-and-answers-questions-and-answers-questions-and-answers-Xd7id6-clipart.jpg" id="117" name="Shape 117"/>
-          <p:cNvPicPr preferRelativeResize="0"/>
-          <p:nvPr/>
-        </p:nvPicPr>
-        <p:blipFill>
-          <a:blip r:embed="rId3">
-            <a:alphaModFix/>
-          </a:blip>
-          <a:stretch>
-            <a:fillRect/>
-          </a:stretch>
-        </p:blipFill>
-        <p:spPr>
-          <a:xfrm>
-            <a:off x="166200" y="-688725"/>
-            <a:ext cx="8724050" cy="6595374"/>
+      <p:sp>
+        <p:nvSpPr>
+          <p:cNvPr id="116" name="Shape 116"/>
+          <p:cNvSpPr txBox="1"/>
+          <p:nvPr>
+            <p:ph idx="1" type="body"/>
+          </p:nvPr>
+        </p:nvSpPr>
+        <p:spPr>
+          <a:xfrm>
+            <a:off x="311700" y="1152475"/>
+            <a:ext cx="8520600" cy="3416400"/>
           </a:xfrm>
           <a:prstGeom prst="rect">
             <a:avLst/>
           </a:prstGeom>
-          <a:noFill/>
-          <a:ln>
-            <a:noFill/>
-          </a:ln>
-        </p:spPr>
-      </p:pic>
+        </p:spPr>
+        <p:txBody>
+          <a:bodyPr anchorCtr="0" anchor="t" bIns="91425" lIns="91425" rIns="91425" tIns="91425">
+            <a:noAutofit/>
+          </a:bodyPr>
+          <a:lstStyle/>
+          <a:p>
+            <a:pPr indent="-381000" lvl="0" marL="457200" rtl="0">
+              <a:spcBef>
+                <a:spcPts val="0"/>
+              </a:spcBef>
+              <a:buClr>
+                <a:srgbClr val="666666"/>
+              </a:buClr>
+              <a:buSzPct val="100000"/>
+              <a:buFont typeface="Calibri"/>
+              <a:buChar char="-"/>
+            </a:pPr>
+            <a:r>
+              <a:rPr lang="en" sz="2400">
+                <a:solidFill>
+                  <a:srgbClr val="666666"/>
+                </a:solidFill>
+                <a:latin typeface="Calibri"/>
+                <a:ea typeface="Calibri"/>
+                <a:cs typeface="Calibri"/>
+                <a:sym typeface="Calibri"/>
+              </a:rPr>
+              <a:t>Modular </a:t>
+            </a:r>
+          </a:p>
+          <a:p>
+            <a:pPr indent="-381000" lvl="0" marL="457200" rtl="0">
+              <a:spcBef>
+                <a:spcPts val="0"/>
+              </a:spcBef>
+              <a:buClr>
+                <a:srgbClr val="666666"/>
+              </a:buClr>
+              <a:buSzPct val="100000"/>
+              <a:buFont typeface="Calibri"/>
+              <a:buChar char="-"/>
+            </a:pPr>
+            <a:r>
+              <a:rPr lang="en" sz="2400">
+                <a:solidFill>
+                  <a:srgbClr val="666666"/>
+                </a:solidFill>
+                <a:latin typeface="Calibri"/>
+                <a:ea typeface="Calibri"/>
+                <a:cs typeface="Calibri"/>
+                <a:sym typeface="Calibri"/>
+              </a:rPr>
+              <a:t>Community support</a:t>
+            </a:r>
+          </a:p>
+          <a:p>
+            <a:pPr indent="-381000" lvl="0" marL="457200" rtl="0">
+              <a:spcBef>
+                <a:spcPts val="0"/>
+              </a:spcBef>
+              <a:buClr>
+                <a:srgbClr val="666666"/>
+              </a:buClr>
+              <a:buSzPct val="100000"/>
+              <a:buFont typeface="Calibri"/>
+              <a:buChar char="-"/>
+            </a:pPr>
+            <a:r>
+              <a:rPr lang="en" sz="2400">
+                <a:solidFill>
+                  <a:srgbClr val="666666"/>
+                </a:solidFill>
+                <a:latin typeface="Calibri"/>
+                <a:ea typeface="Calibri"/>
+                <a:cs typeface="Calibri"/>
+                <a:sym typeface="Calibri"/>
+              </a:rPr>
+              <a:t>Mature product</a:t>
+            </a:r>
+          </a:p>
+          <a:p>
+            <a:pPr indent="-381000" lvl="0" marL="457200" rtl="0">
+              <a:spcBef>
+                <a:spcPts val="0"/>
+              </a:spcBef>
+              <a:buClr>
+                <a:srgbClr val="666666"/>
+              </a:buClr>
+              <a:buSzPct val="100000"/>
+              <a:buFont typeface="Calibri"/>
+              <a:buChar char="-"/>
+            </a:pPr>
+            <a:r>
+              <a:rPr lang="en" sz="2400">
+                <a:solidFill>
+                  <a:srgbClr val="666666"/>
+                </a:solidFill>
+                <a:latin typeface="Calibri"/>
+                <a:ea typeface="Calibri"/>
+                <a:cs typeface="Calibri"/>
+                <a:sym typeface="Calibri"/>
+              </a:rPr>
+              <a:t>Marketplace</a:t>
+            </a:r>
+          </a:p>
+          <a:p>
+            <a:pPr lvl="0" rtl="0">
+              <a:spcBef>
+                <a:spcPts val="0"/>
+              </a:spcBef>
+              <a:buNone/>
+            </a:pPr>
+            <a:r>
+              <a:rPr lang="en" sz="2400">
+                <a:solidFill>
+                  <a:srgbClr val="666666"/>
+                </a:solidFill>
+                <a:latin typeface="Calibri"/>
+                <a:ea typeface="Calibri"/>
+                <a:cs typeface="Calibri"/>
+                <a:sym typeface="Calibri"/>
+              </a:rPr>
+              <a:t>Overall, chef seems a good option, albeit the steeper learning curve!</a:t>
+            </a:r>
+          </a:p>
+        </p:txBody>
+      </p:sp>
     </p:spTree>
   </p:cSld>
   <p:clrMapOvr>
@@ -5456,7 +5688,7 @@
   <p:cSld>
     <p:spTree>
       <p:nvGrpSpPr>
-        <p:cNvPr id="121" name="Shape 121"/>
+        <p:cNvPr id="120" name="Shape 120"/>
         <p:cNvGrpSpPr/>
         <p:nvPr/>
       </p:nvGrpSpPr>
@@ -5470,7 +5702,7 @@
       </p:grpSpPr>
       <p:sp>
         <p:nvSpPr>
-          <p:cNvPr id="122" name="Shape 122"/>
+          <p:cNvPr id="121" name="Shape 121"/>
           <p:cNvSpPr txBox="1"/>
           <p:nvPr>
             <p:ph type="title"/>
@@ -5478,8 +5710,8 @@
         </p:nvSpPr>
         <p:spPr>
           <a:xfrm>
-            <a:off x="311700" y="445025"/>
-            <a:ext cx="8520600" cy="572700"/>
+            <a:off x="2659675" y="1601775"/>
+            <a:ext cx="3737100" cy="1262700"/>
           </a:xfrm>
           <a:prstGeom prst="rect">
             <a:avLst/>
@@ -5498,167 +5730,40 @@
               <a:buNone/>
             </a:pPr>
             <a:r>
-              <a:rPr lang="en">
-                <a:solidFill>
-                  <a:srgbClr val="434343"/>
-                </a:solidFill>
-              </a:rPr>
-              <a:t>Resources:</a:t>
+              <a:rPr lang="en" sz="4800"/>
+              <a:t>Thank you! </a:t>
             </a:r>
           </a:p>
         </p:txBody>
       </p:sp>
-      <p:sp>
-        <p:nvSpPr>
-          <p:cNvPr id="123" name="Shape 123"/>
-          <p:cNvSpPr txBox="1"/>
-          <p:nvPr>
-            <p:ph idx="1" type="body"/>
-          </p:nvPr>
-        </p:nvSpPr>
-        <p:spPr>
-          <a:xfrm>
-            <a:off x="311700" y="1152475"/>
-            <a:ext cx="8520600" cy="3416400"/>
+      <p:pic>
+        <p:nvPicPr>
+          <p:cNvPr descr="questions-and-answers-questions-and-answers-questions-and-answers-Xd7id6-clipart.jpg" id="122" name="Shape 122"/>
+          <p:cNvPicPr preferRelativeResize="0"/>
+          <p:nvPr/>
+        </p:nvPicPr>
+        <p:blipFill>
+          <a:blip r:embed="rId3">
+            <a:alphaModFix/>
+          </a:blip>
+          <a:stretch>
+            <a:fillRect/>
+          </a:stretch>
+        </p:blipFill>
+        <p:spPr>
+          <a:xfrm>
+            <a:off x="1629087" y="380000"/>
+            <a:ext cx="5798275" cy="4383499"/>
           </a:xfrm>
           <a:prstGeom prst="rect">
             <a:avLst/>
           </a:prstGeom>
-        </p:spPr>
-        <p:txBody>
-          <a:bodyPr anchorCtr="0" anchor="t" bIns="91425" lIns="91425" rIns="91425" tIns="91425">
-            <a:noAutofit/>
-          </a:bodyPr>
-          <a:lstStyle/>
-          <a:p>
-            <a:pPr indent="-228600" lvl="0" marL="457200" rtl="0">
-              <a:spcBef>
-                <a:spcPts val="0"/>
-              </a:spcBef>
-              <a:buChar char="-"/>
-            </a:pPr>
-            <a:r>
-              <a:rPr lang="en" u="sng">
-                <a:solidFill>
-                  <a:schemeClr val="hlink"/>
-                </a:solidFill>
-                <a:hlinkClick r:id="rId3"/>
-              </a:rPr>
-              <a:t>https://www.chef.io/</a:t>
-            </a:r>
-          </a:p>
-          <a:p>
-            <a:pPr indent="-228600" lvl="0" marL="457200" rtl="0">
-              <a:spcBef>
-                <a:spcPts val="0"/>
-              </a:spcBef>
-              <a:buChar char="-"/>
-            </a:pPr>
-            <a:r>
-              <a:rPr lang="en" u="sng">
-                <a:solidFill>
-                  <a:schemeClr val="hlink"/>
-                </a:solidFill>
-                <a:hlinkClick r:id="rId4"/>
-              </a:rPr>
-              <a:t>http://www.slideshare.net/AmazonWebServices/chef-cookbook-workflow</a:t>
-            </a:r>
-          </a:p>
-          <a:p>
-            <a:pPr indent="-228600" lvl="0" marL="457200" rtl="0">
-              <a:spcBef>
-                <a:spcPts val="0"/>
-              </a:spcBef>
-              <a:buChar char="-"/>
-            </a:pPr>
-            <a:r>
-              <a:rPr lang="en" u="sng">
-                <a:solidFill>
-                  <a:schemeClr val="hlink"/>
-                </a:solidFill>
-                <a:hlinkClick r:id="rId5"/>
-              </a:rPr>
-              <a:t>https://www.upguard.com/articles/puppet-vs.-chef-revisited</a:t>
-            </a:r>
-          </a:p>
-          <a:p>
-            <a:pPr indent="-228600" lvl="0" marL="457200" rtl="0">
-              <a:spcBef>
-                <a:spcPts val="0"/>
-              </a:spcBef>
-              <a:buChar char="-"/>
-            </a:pPr>
-            <a:r>
-              <a:rPr lang="en" u="sng">
-                <a:solidFill>
-                  <a:schemeClr val="hlink"/>
-                </a:solidFill>
-                <a:hlinkClick r:id="rId6"/>
-              </a:rPr>
-              <a:t>http://www.slideshare.net/adamhjk/infrastructure-automation-with-chef</a:t>
-            </a:r>
-          </a:p>
-          <a:p>
-            <a:pPr indent="-228600" lvl="0" marL="457200" rtl="0">
-              <a:spcBef>
-                <a:spcPts val="0"/>
-              </a:spcBef>
-              <a:buChar char="-"/>
-            </a:pPr>
-            <a:r>
-              <a:rPr lang="en" u="sng">
-                <a:solidFill>
-                  <a:schemeClr val="hlink"/>
-                </a:solidFill>
-                <a:hlinkClick r:id="rId7"/>
-              </a:rPr>
-              <a:t>http://www.slideshare.net/JulianDunn/chef-introduction-princeton-meetup</a:t>
-            </a:r>
-            <a:r>
-              <a:rPr lang="en"/>
-              <a:t> </a:t>
-            </a:r>
-          </a:p>
-          <a:p>
-            <a:pPr indent="-228600" lvl="0" marL="457200" rtl="0">
-              <a:spcBef>
-                <a:spcPts val="0"/>
-              </a:spcBef>
-              <a:buChar char="-"/>
-            </a:pPr>
-            <a:r>
-              <a:rPr lang="en" u="sng">
-                <a:solidFill>
-                  <a:schemeClr val="hlink"/>
-                </a:solidFill>
-                <a:hlinkClick r:id="rId8"/>
-              </a:rPr>
-              <a:t>http://www.slideshare.net/vhata/devops-and-chef/42-SERVER_chefclient_on_node_use</a:t>
-            </a:r>
-          </a:p>
-          <a:p>
-            <a:pPr indent="-228600" lvl="0" marL="457200" rtl="0">
-              <a:spcBef>
-                <a:spcPts val="0"/>
-              </a:spcBef>
-              <a:buChar char="-"/>
-            </a:pPr>
-            <a:r>
-              <a:rPr lang="en" u="sng">
-                <a:solidFill>
-                  <a:schemeClr val="hlink"/>
-                </a:solidFill>
-                <a:hlinkClick r:id="rId9"/>
-              </a:rPr>
-              <a:t>http://www.slideshare.net/jweiss/infrastructure-automation-withchef</a:t>
-            </a:r>
-            <a:r>
-              <a:rPr lang="en"/>
-              <a:t> </a:t>
-            </a:r>
-          </a:p>
-        </p:txBody>
-      </p:sp>
+          <a:noFill/>
+          <a:ln>
+            <a:noFill/>
+          </a:ln>
+        </p:spPr>
+      </p:pic>
     </p:spTree>
   </p:cSld>
   <p:clrMapOvr>
@@ -5672,7 +5777,7 @@
   <p:cSld>
     <p:spTree>
       <p:nvGrpSpPr>
-        <p:cNvPr id="127" name="Shape 127"/>
+        <p:cNvPr id="126" name="Shape 126"/>
         <p:cNvGrpSpPr/>
         <p:nvPr/>
       </p:nvGrpSpPr>
@@ -5686,7 +5791,7 @@
       </p:grpSpPr>
       <p:sp>
         <p:nvSpPr>
-          <p:cNvPr id="128" name="Shape 128"/>
+          <p:cNvPr id="127" name="Shape 127"/>
           <p:cNvSpPr txBox="1"/>
           <p:nvPr>
             <p:ph type="title"/>
@@ -5694,8 +5799,8 @@
         </p:nvSpPr>
         <p:spPr>
           <a:xfrm>
-            <a:off x="2659675" y="1601775"/>
-            <a:ext cx="3737100" cy="1262700"/>
+            <a:off x="311700" y="445025"/>
+            <a:ext cx="8520600" cy="572700"/>
           </a:xfrm>
           <a:prstGeom prst="rect">
             <a:avLst/>
@@ -5714,6 +5819,222 @@
               <a:buNone/>
             </a:pPr>
             <a:r>
+              <a:rPr lang="en">
+                <a:solidFill>
+                  <a:srgbClr val="434343"/>
+                </a:solidFill>
+              </a:rPr>
+              <a:t>Resources:</a:t>
+            </a:r>
+          </a:p>
+        </p:txBody>
+      </p:sp>
+      <p:sp>
+        <p:nvSpPr>
+          <p:cNvPr id="128" name="Shape 128"/>
+          <p:cNvSpPr txBox="1"/>
+          <p:nvPr>
+            <p:ph idx="1" type="body"/>
+          </p:nvPr>
+        </p:nvSpPr>
+        <p:spPr>
+          <a:xfrm>
+            <a:off x="311700" y="1152475"/>
+            <a:ext cx="8520600" cy="3416400"/>
+          </a:xfrm>
+          <a:prstGeom prst="rect">
+            <a:avLst/>
+          </a:prstGeom>
+        </p:spPr>
+        <p:txBody>
+          <a:bodyPr anchorCtr="0" anchor="t" bIns="91425" lIns="91425" rIns="91425" tIns="91425">
+            <a:noAutofit/>
+          </a:bodyPr>
+          <a:lstStyle/>
+          <a:p>
+            <a:pPr indent="-228600" lvl="0" marL="457200" rtl="0">
+              <a:spcBef>
+                <a:spcPts val="0"/>
+              </a:spcBef>
+              <a:buChar char="-"/>
+            </a:pPr>
+            <a:r>
+              <a:rPr lang="en" u="sng">
+                <a:solidFill>
+                  <a:schemeClr val="hlink"/>
+                </a:solidFill>
+                <a:hlinkClick r:id="rId3"/>
+              </a:rPr>
+              <a:t>https://www.chef.io/</a:t>
+            </a:r>
+          </a:p>
+          <a:p>
+            <a:pPr indent="-228600" lvl="0" marL="457200" rtl="0">
+              <a:spcBef>
+                <a:spcPts val="0"/>
+              </a:spcBef>
+              <a:buChar char="-"/>
+            </a:pPr>
+            <a:r>
+              <a:rPr lang="en" u="sng">
+                <a:solidFill>
+                  <a:schemeClr val="hlink"/>
+                </a:solidFill>
+                <a:hlinkClick r:id="rId4"/>
+              </a:rPr>
+              <a:t>http://www.slideshare.net/AmazonWebServices/chef-cookbook-workflow</a:t>
+            </a:r>
+          </a:p>
+          <a:p>
+            <a:pPr indent="-228600" lvl="0" marL="457200" rtl="0">
+              <a:spcBef>
+                <a:spcPts val="0"/>
+              </a:spcBef>
+              <a:buChar char="-"/>
+            </a:pPr>
+            <a:r>
+              <a:rPr lang="en" u="sng">
+                <a:solidFill>
+                  <a:schemeClr val="hlink"/>
+                </a:solidFill>
+                <a:hlinkClick r:id="rId5"/>
+              </a:rPr>
+              <a:t>https://www.upguard.com/articles/puppet-vs.-chef-revisited</a:t>
+            </a:r>
+          </a:p>
+          <a:p>
+            <a:pPr indent="-228600" lvl="0" marL="457200" rtl="0">
+              <a:spcBef>
+                <a:spcPts val="0"/>
+              </a:spcBef>
+              <a:buChar char="-"/>
+            </a:pPr>
+            <a:r>
+              <a:rPr lang="en" u="sng">
+                <a:solidFill>
+                  <a:schemeClr val="hlink"/>
+                </a:solidFill>
+                <a:hlinkClick r:id="rId6"/>
+              </a:rPr>
+              <a:t>http://www.slideshare.net/adamhjk/infrastructure-automation-with-chef</a:t>
+            </a:r>
+          </a:p>
+          <a:p>
+            <a:pPr indent="-228600" lvl="0" marL="457200" rtl="0">
+              <a:spcBef>
+                <a:spcPts val="0"/>
+              </a:spcBef>
+              <a:buChar char="-"/>
+            </a:pPr>
+            <a:r>
+              <a:rPr lang="en" u="sng">
+                <a:solidFill>
+                  <a:schemeClr val="hlink"/>
+                </a:solidFill>
+                <a:hlinkClick r:id="rId7"/>
+              </a:rPr>
+              <a:t>http://www.slideshare.net/JulianDunn/chef-introduction-princeton-meetup</a:t>
+            </a:r>
+            <a:r>
+              <a:rPr lang="en"/>
+              <a:t> </a:t>
+            </a:r>
+          </a:p>
+          <a:p>
+            <a:pPr indent="-228600" lvl="0" marL="457200" rtl="0">
+              <a:spcBef>
+                <a:spcPts val="0"/>
+              </a:spcBef>
+              <a:buChar char="-"/>
+            </a:pPr>
+            <a:r>
+              <a:rPr lang="en" u="sng">
+                <a:solidFill>
+                  <a:schemeClr val="hlink"/>
+                </a:solidFill>
+                <a:hlinkClick r:id="rId8"/>
+              </a:rPr>
+              <a:t>http://www.slideshare.net/vhata/devops-and-chef/42-SERVER_chefclient_on_node_use</a:t>
+            </a:r>
+          </a:p>
+          <a:p>
+            <a:pPr indent="-228600" lvl="0" marL="457200" rtl="0">
+              <a:spcBef>
+                <a:spcPts val="0"/>
+              </a:spcBef>
+              <a:buChar char="-"/>
+            </a:pPr>
+            <a:r>
+              <a:rPr lang="en" u="sng">
+                <a:solidFill>
+                  <a:schemeClr val="hlink"/>
+                </a:solidFill>
+                <a:hlinkClick r:id="rId9"/>
+              </a:rPr>
+              <a:t>http://www.slideshare.net/jweiss/infrastructure-automation-withchef</a:t>
+            </a:r>
+            <a:r>
+              <a:rPr lang="en"/>
+              <a:t> </a:t>
+            </a:r>
+          </a:p>
+        </p:txBody>
+      </p:sp>
+    </p:spTree>
+  </p:cSld>
+  <p:clrMapOvr>
+    <a:masterClrMapping/>
+  </p:clrMapOvr>
+</p:sld>
+</file>
+
+<file path=ppt/slides/slide14.xml><?xml version="1.0" encoding="utf-8"?>
+<p:sld xmlns:a="http://schemas.openxmlformats.org/drawingml/2006/main" xmlns:r="http://schemas.openxmlformats.org/officeDocument/2006/relationships" xmlns:mc="http://schemas.openxmlformats.org/markup-compatibility/2006" xmlns:mv="urn:schemas-microsoft-com:mac:vml" xmlns:p="http://schemas.openxmlformats.org/presentationml/2006/main" xmlns:c="http://schemas.openxmlformats.org/drawingml/2006/chart" xmlns:dgm="http://schemas.openxmlformats.org/drawingml/2006/diagram" xmlns:o="urn:schemas-microsoft-com:office:office" xmlns:v="urn:schemas-microsoft-com:vml" xmlns:pvml="urn:schemas-microsoft-com:office:powerpoint" xmlns:com="http://schemas.openxmlformats.org/drawingml/2006/compatibility" xmlns:p14="http://schemas.microsoft.com/office/powerpoint/2010/main">
+  <p:cSld>
+    <p:spTree>
+      <p:nvGrpSpPr>
+        <p:cNvPr id="132" name="Shape 132"/>
+        <p:cNvGrpSpPr/>
+        <p:nvPr/>
+      </p:nvGrpSpPr>
+      <p:grpSpPr>
+        <a:xfrm>
+          <a:off x="0" y="0"/>
+          <a:ext cx="0" cy="0"/>
+          <a:chOff x="0" y="0"/>
+          <a:chExt cx="0" cy="0"/>
+        </a:xfrm>
+      </p:grpSpPr>
+      <p:sp>
+        <p:nvSpPr>
+          <p:cNvPr id="133" name="Shape 133"/>
+          <p:cNvSpPr txBox="1"/>
+          <p:nvPr>
+            <p:ph type="title"/>
+          </p:nvPr>
+        </p:nvSpPr>
+        <p:spPr>
+          <a:xfrm>
+            <a:off x="2659675" y="1601775"/>
+            <a:ext cx="3737100" cy="1262700"/>
+          </a:xfrm>
+          <a:prstGeom prst="rect">
+            <a:avLst/>
+          </a:prstGeom>
+        </p:spPr>
+        <p:txBody>
+          <a:bodyPr anchorCtr="0" anchor="t" bIns="91425" lIns="91425" rIns="91425" tIns="91425">
+            <a:noAutofit/>
+          </a:bodyPr>
+          <a:lstStyle/>
+          <a:p>
+            <a:pPr lvl="0" rtl="0">
+              <a:spcBef>
+                <a:spcPts val="0"/>
+              </a:spcBef>
+              <a:buNone/>
+            </a:pPr>
+            <a:r>
               <a:rPr lang="en" sz="4800"/>
               <a:t>Questions ? </a:t>
             </a:r>
@@ -5722,7 +6043,7 @@
       </p:sp>
       <p:pic>
         <p:nvPicPr>
-          <p:cNvPr descr="207113b.jpg" id="129" name="Shape 129"/>
+          <p:cNvPr descr="207113b.jpg" id="134" name="Shape 134"/>
           <p:cNvPicPr preferRelativeResize="0"/>
           <p:nvPr/>
         </p:nvPicPr>
@@ -6468,13 +6789,13 @@
           <p:cNvPr id="81" name="Shape 81"/>
           <p:cNvSpPr txBox="1"/>
           <p:nvPr>
-            <p:ph type="title"/>
-          </p:nvPr>
-        </p:nvSpPr>
-        <p:spPr>
-          <a:xfrm>
-            <a:off x="311700" y="445025"/>
-            <a:ext cx="8520600" cy="572700"/>
+            <p:ph idx="1" type="body"/>
+          </p:nvPr>
+        </p:nvSpPr>
+        <p:spPr>
+          <a:xfrm>
+            <a:off x="311700" y="1017725"/>
+            <a:ext cx="8520600" cy="3416400"/>
           </a:xfrm>
           <a:prstGeom prst="rect">
             <a:avLst/>
@@ -6485,174 +6806,6 @@
             <a:noAutofit/>
           </a:bodyPr>
           <a:lstStyle/>
-          <a:p>
-            <a:pPr lvl="0" rtl="0">
-              <a:spcBef>
-                <a:spcPts val="0"/>
-              </a:spcBef>
-              <a:buNone/>
-            </a:pPr>
-            <a:r>
-              <a:rPr lang="en">
-                <a:solidFill>
-                  <a:srgbClr val="434343"/>
-                </a:solidFill>
-                <a:latin typeface="Calibri"/>
-                <a:ea typeface="Calibri"/>
-                <a:cs typeface="Calibri"/>
-                <a:sym typeface="Calibri"/>
-              </a:rPr>
-              <a:t>What</a:t>
-            </a:r>
-            <a:r>
-              <a:rPr lang="en">
-                <a:solidFill>
-                  <a:srgbClr val="434343"/>
-                </a:solidFill>
-                <a:latin typeface="Calibri"/>
-                <a:ea typeface="Calibri"/>
-                <a:cs typeface="Calibri"/>
-                <a:sym typeface="Calibri"/>
-              </a:rPr>
-              <a:t> does it do </a:t>
-            </a:r>
-            <a:r>
-              <a:rPr lang="en">
-                <a:solidFill>
-                  <a:srgbClr val="434343"/>
-                </a:solidFill>
-                <a:latin typeface="Calibri"/>
-                <a:ea typeface="Calibri"/>
-                <a:cs typeface="Calibri"/>
-                <a:sym typeface="Calibri"/>
-              </a:rPr>
-              <a:t>...</a:t>
-            </a:r>
-          </a:p>
-        </p:txBody>
-      </p:sp>
-      <p:sp>
-        <p:nvSpPr>
-          <p:cNvPr id="82" name="Shape 82"/>
-          <p:cNvSpPr txBox="1"/>
-          <p:nvPr>
-            <p:ph idx="1" type="body"/>
-          </p:nvPr>
-        </p:nvSpPr>
-        <p:spPr>
-          <a:xfrm>
-            <a:off x="311700" y="1152475"/>
-            <a:ext cx="8520600" cy="3416400"/>
-          </a:xfrm>
-          <a:prstGeom prst="rect">
-            <a:avLst/>
-          </a:prstGeom>
-        </p:spPr>
-        <p:txBody>
-          <a:bodyPr anchorCtr="0" anchor="t" bIns="91425" lIns="91425" rIns="91425" tIns="91425">
-            <a:noAutofit/>
-          </a:bodyPr>
-          <a:lstStyle/>
-          <a:p>
-            <a:pPr indent="-381000" lvl="0" marL="457200" rtl="0">
-              <a:spcBef>
-                <a:spcPts val="0"/>
-              </a:spcBef>
-              <a:buClr>
-                <a:srgbClr val="666666"/>
-              </a:buClr>
-              <a:buSzPct val="100000"/>
-              <a:buFont typeface="Calibri"/>
-              <a:buChar char="-"/>
-            </a:pPr>
-            <a:r>
-              <a:rPr lang="en" sz="2400">
-                <a:solidFill>
-                  <a:srgbClr val="666666"/>
-                </a:solidFill>
-                <a:latin typeface="Calibri"/>
-                <a:ea typeface="Calibri"/>
-                <a:cs typeface="Calibri"/>
-                <a:sym typeface="Calibri"/>
-              </a:rPr>
-              <a:t>Provision</a:t>
-            </a:r>
-          </a:p>
-          <a:p>
-            <a:pPr indent="-381000" lvl="0" marL="457200" rtl="0">
-              <a:spcBef>
-                <a:spcPts val="0"/>
-              </a:spcBef>
-              <a:buClr>
-                <a:srgbClr val="666666"/>
-              </a:buClr>
-              <a:buSzPct val="100000"/>
-              <a:buFont typeface="Calibri"/>
-              <a:buChar char="-"/>
-            </a:pPr>
-            <a:r>
-              <a:rPr lang="en" sz="2400">
-                <a:solidFill>
-                  <a:srgbClr val="666666"/>
-                </a:solidFill>
-                <a:latin typeface="Calibri"/>
-                <a:ea typeface="Calibri"/>
-                <a:cs typeface="Calibri"/>
-                <a:sym typeface="Calibri"/>
-              </a:rPr>
-              <a:t>Configure</a:t>
-            </a:r>
-          </a:p>
-          <a:p>
-            <a:pPr indent="-381000" lvl="0" marL="457200" rtl="0">
-              <a:spcBef>
-                <a:spcPts val="0"/>
-              </a:spcBef>
-              <a:buClr>
-                <a:srgbClr val="666666"/>
-              </a:buClr>
-              <a:buSzPct val="100000"/>
-              <a:buFont typeface="Calibri"/>
-              <a:buChar char="-"/>
-            </a:pPr>
-            <a:r>
-              <a:rPr lang="en" sz="2400">
-                <a:solidFill>
-                  <a:srgbClr val="666666"/>
-                </a:solidFill>
-                <a:latin typeface="Calibri"/>
-                <a:ea typeface="Calibri"/>
-                <a:cs typeface="Calibri"/>
-                <a:sym typeface="Calibri"/>
-              </a:rPr>
-              <a:t>Deploy</a:t>
-            </a:r>
-          </a:p>
-          <a:p>
-            <a:pPr indent="-381000" lvl="0" marL="457200" rtl="0">
-              <a:spcBef>
-                <a:spcPts val="0"/>
-              </a:spcBef>
-              <a:buClr>
-                <a:srgbClr val="666666"/>
-              </a:buClr>
-              <a:buSzPct val="100000"/>
-              <a:buFont typeface="Calibri"/>
-              <a:buChar char="-"/>
-            </a:pPr>
-            <a:r>
-              <a:rPr lang="en" sz="2400">
-                <a:solidFill>
-                  <a:srgbClr val="666666"/>
-                </a:solidFill>
-                <a:latin typeface="Calibri"/>
-                <a:ea typeface="Calibri"/>
-                <a:cs typeface="Calibri"/>
-                <a:sym typeface="Calibri"/>
-              </a:rPr>
-              <a:t>Orchestrate</a:t>
-            </a:r>
-          </a:p>
           <a:p>
             <a:pPr lvl="0" rtl="0" algn="ctr">
               <a:spcBef>
@@ -6674,7 +6827,7 @@
             </a:endParaRPr>
           </a:p>
           <a:p>
-            <a:pPr lvl="0" rtl="0" algn="ctr">
+            <a:pPr indent="457200" lvl="0" marL="457200" rtl="0" algn="l">
               <a:spcBef>
                 <a:spcPts val="0"/>
               </a:spcBef>
@@ -6690,7 +6843,27 @@
                 <a:cs typeface="Calibri"/>
                 <a:sym typeface="Calibri"/>
               </a:rPr>
-              <a:t>“ Documentation : Code :: Chef : Infrastructure ”</a:t>
+              <a:t> </a:t>
+            </a:r>
+          </a:p>
+          <a:p>
+            <a:pPr indent="457200" lvl="0" marL="457200" rtl="0" algn="l">
+              <a:spcBef>
+                <a:spcPts val="0"/>
+              </a:spcBef>
+              <a:buNone/>
+            </a:pPr>
+            <a:r>
+              <a:rPr lang="en" sz="2400">
+                <a:solidFill>
+                  <a:srgbClr val="666666"/>
+                </a:solidFill>
+                <a:latin typeface="Calibri"/>
+                <a:ea typeface="Calibri"/>
+                <a:cs typeface="Calibri"/>
+                <a:sym typeface="Calibri"/>
+              </a:rPr>
+              <a:t> “ Documentation : Code :: Chef : Infrastructure ”</a:t>
             </a:r>
           </a:p>
         </p:txBody>
@@ -6708,7 +6881,7 @@
   <p:cSld>
     <p:spTree>
       <p:nvGrpSpPr>
-        <p:cNvPr id="86" name="Shape 86"/>
+        <p:cNvPr id="85" name="Shape 85"/>
         <p:cNvGrpSpPr/>
         <p:nvPr/>
       </p:nvGrpSpPr>
@@ -6722,7 +6895,7 @@
       </p:grpSpPr>
       <p:sp>
         <p:nvSpPr>
-          <p:cNvPr id="87" name="Shape 87"/>
+          <p:cNvPr id="86" name="Shape 86"/>
           <p:cNvSpPr txBox="1"/>
           <p:nvPr>
             <p:ph type="title"/>
@@ -6766,7 +6939,7 @@
       </p:sp>
       <p:sp>
         <p:nvSpPr>
-          <p:cNvPr id="88" name="Shape 88"/>
+          <p:cNvPr id="87" name="Shape 87"/>
           <p:cNvSpPr txBox="1"/>
           <p:nvPr>
             <p:ph idx="1" type="body"/>
@@ -6926,7 +7099,7 @@
   <p:cSld>
     <p:spTree>
       <p:nvGrpSpPr>
-        <p:cNvPr id="92" name="Shape 92"/>
+        <p:cNvPr id="91" name="Shape 91"/>
         <p:cNvGrpSpPr/>
         <p:nvPr/>
       </p:nvGrpSpPr>
@@ -6940,7 +7113,7 @@
       </p:grpSpPr>
       <p:pic>
         <p:nvPicPr>
-          <p:cNvPr descr="chef_arch1.png" id="93" name="Shape 93"/>
+          <p:cNvPr descr="chef_arch1.png" id="92" name="Shape 92"/>
           <p:cNvPicPr preferRelativeResize="0"/>
           <p:nvPr/>
         </p:nvPicPr>
@@ -6979,7 +7152,7 @@
   <p:cSld>
     <p:spTree>
       <p:nvGrpSpPr>
-        <p:cNvPr id="97" name="Shape 97"/>
+        <p:cNvPr id="96" name="Shape 96"/>
         <p:cNvGrpSpPr/>
         <p:nvPr/>
       </p:nvGrpSpPr>
@@ -6993,7 +7166,7 @@
       </p:grpSpPr>
       <p:sp>
         <p:nvSpPr>
-          <p:cNvPr id="98" name="Shape 98"/>
+          <p:cNvPr id="97" name="Shape 97"/>
           <p:cNvSpPr txBox="1"/>
           <p:nvPr>
             <p:ph type="title"/>
@@ -7037,7 +7210,7 @@
       </p:sp>
       <p:sp>
         <p:nvSpPr>
-          <p:cNvPr id="99" name="Shape 99"/>
+          <p:cNvPr id="98" name="Shape 98"/>
           <p:cNvSpPr txBox="1"/>
           <p:nvPr>
             <p:ph idx="1" type="body"/>
@@ -7204,31 +7377,7 @@
                 <a:cs typeface="Calibri"/>
                 <a:sym typeface="Calibri"/>
               </a:rPr>
-              <a:t>And anything you can think of </a:t>
-            </a:r>
-            <a:r>
-              <a:rPr lang="en" sz="2400">
-                <a:solidFill>
-                  <a:srgbClr val="666666"/>
-                </a:solidFill>
-                <a:latin typeface="Calibri"/>
-                <a:ea typeface="Calibri"/>
-                <a:cs typeface="Calibri"/>
-                <a:sym typeface="Calibri"/>
-              </a:rPr>
-              <a:t>...</a:t>
-            </a:r>
-            <a:r>
-              <a:rPr lang="en" sz="2400">
-                <a:solidFill>
-                  <a:srgbClr val="666666"/>
-                </a:solidFill>
-                <a:latin typeface="Calibri"/>
-                <a:ea typeface="Calibri"/>
-                <a:cs typeface="Calibri"/>
-                <a:sym typeface="Calibri"/>
-              </a:rPr>
-              <a:t>. (Well, not everything!)</a:t>
+              <a:t>And many more things ...</a:t>
             </a:r>
           </a:p>
         </p:txBody>
@@ -7246,7 +7395,7 @@
   <p:cSld>
     <p:spTree>
       <p:nvGrpSpPr>
-        <p:cNvPr id="103" name="Shape 103"/>
+        <p:cNvPr id="102" name="Shape 102"/>
         <p:cNvGrpSpPr/>
         <p:nvPr/>
       </p:nvGrpSpPr>
@@ -7260,7 +7409,7 @@
       </p:grpSpPr>
       <p:sp>
         <p:nvSpPr>
-          <p:cNvPr id="104" name="Shape 104"/>
+          <p:cNvPr id="103" name="Shape 103"/>
           <p:cNvSpPr txBox="1"/>
           <p:nvPr>
             <p:ph type="title"/>
@@ -7300,7 +7449,7 @@
       </p:sp>
       <p:sp>
         <p:nvSpPr>
-          <p:cNvPr descr="A quick demo of bootstrapping with Chef" id="105" name="Shape 105" title="Tech Talk Demo - Chef">
+          <p:cNvPr descr="A quick demo of bootstrapping with Chef" id="104" name="Shape 104" title="Tech Talk Demo - Chef">
             <a:hlinkClick r:id="rId3"/>
           </p:cNvPr>
           <p:cNvSpPr/>
@@ -7336,6 +7485,285 @@
 </file>
 
 <file path=ppt/theme/theme1.xml><?xml version="1.0" encoding="utf-8"?>
+<a:theme xmlns:a="http://schemas.openxmlformats.org/drawingml/2006/main" xmlns:r="http://schemas.openxmlformats.org/officeDocument/2006/relationships" name="simple-dark-2">
+  <a:themeElements>
+    <a:clrScheme name="Simple Dark">
+      <a:dk1>
+        <a:srgbClr val="FFFFFF"/>
+      </a:dk1>
+      <a:lt1>
+        <a:srgbClr val="212121"/>
+      </a:lt1>
+      <a:dk2>
+        <a:srgbClr val="303030"/>
+      </a:dk2>
+      <a:lt2>
+        <a:srgbClr val="ADADAD"/>
+      </a:lt2>
+      <a:accent1>
+        <a:srgbClr val="009688"/>
+      </a:accent1>
+      <a:accent2>
+        <a:srgbClr val="EEEEEE"/>
+      </a:accent2>
+      <a:accent3>
+        <a:srgbClr val="78909C"/>
+      </a:accent3>
+      <a:accent4>
+        <a:srgbClr val="FFAB40"/>
+      </a:accent4>
+      <a:accent5>
+        <a:srgbClr val="4DD0E1"/>
+      </a:accent5>
+      <a:accent6>
+        <a:srgbClr val="EEFF41"/>
+      </a:accent6>
+      <a:hlink>
+        <a:srgbClr val="4DD0E1"/>
+      </a:hlink>
+      <a:folHlink>
+        <a:srgbClr val="4DD0E1"/>
+      </a:folHlink>
+    </a:clrScheme>
+    <a:fontScheme name="Office">
+      <a:majorFont>
+        <a:latin typeface="Arial"/>
+        <a:ea typeface=""/>
+        <a:cs typeface=""/>
+        <a:font script="Jpan" typeface="ＭＳ Ｐゴシック"/>
+        <a:font script="Hang" typeface="맑은 고딕"/>
+        <a:font script="Hans" typeface="宋体"/>
+        <a:font script="Hant" typeface="新細明體"/>
+        <a:font script="Arab" typeface="Times New Roman"/>
+        <a:font script="Hebr" typeface="Times New Roman"/>
+        <a:font script="Thai" typeface="Angsana New"/>
+        <a:font script="Ethi" typeface="Nyala"/>
+        <a:font script="Beng" typeface="Vrinda"/>
+        <a:font script="Gujr" typeface="Shruti"/>
+        <a:font script="Khmr" typeface="MoolBoran"/>
+        <a:font script="Knda" typeface="Tunga"/>
+        <a:font script="Guru" typeface="Raavi"/>
+        <a:font script="Cans" typeface="Euphemia"/>
+        <a:font script="Cher" typeface="Plantagenet Cherokee"/>
+        <a:font script="Yiii" typeface="Microsoft Yi Baiti"/>
+        <a:font script="Tibt" typeface="Microsoft Himalaya"/>
+        <a:font script="Thaa" typeface="MV Boli"/>
+        <a:font script="Deva" typeface="Mangal"/>
+        <a:font script="Telu" typeface="Gautami"/>
+        <a:font script="Taml" typeface="Latha"/>
+        <a:font script="Syrc" typeface="Estrangelo Edessa"/>
+        <a:font script="Orya" typeface="Kalinga"/>
+        <a:font script="Mlym" typeface="Kartika"/>
+        <a:font script="Laoo" typeface="DokChampa"/>
+        <a:font script="Sinh" typeface="Iskoola Pota"/>
+        <a:font script="Mong" typeface="Mongolian Baiti"/>
+        <a:font script="Viet" typeface="Times New Roman"/>
+        <a:font script="Uigh" typeface="Microsoft Uighur"/>
+        <a:font script="Geor" typeface="Sylfaen"/>
+      </a:majorFont>
+      <a:minorFont>
+        <a:latin typeface="Arial"/>
+        <a:ea typeface=""/>
+        <a:cs typeface=""/>
+        <a:font script="Jpan" typeface="ＭＳ Ｐゴシック"/>
+        <a:font script="Hang" typeface="맑은 고딕"/>
+        <a:font script="Hans" typeface="宋体"/>
+        <a:font script="Hant" typeface="新細明體"/>
+        <a:font script="Arab" typeface="Arial"/>
+        <a:font script="Hebr" typeface="Arial"/>
+        <a:font script="Thai" typeface="Cordia New"/>
+        <a:font script="Ethi" typeface="Nyala"/>
+        <a:font script="Beng" typeface="Vrinda"/>
+        <a:font script="Gujr" typeface="Shruti"/>
+        <a:font script="Khmr" typeface="DaunPenh"/>
+        <a:font script="Knda" typeface="Tunga"/>
+        <a:font script="Guru" typeface="Raavi"/>
+        <a:font script="Cans" typeface="Euphemia"/>
+        <a:font script="Cher" typeface="Plantagenet Cherokee"/>
+        <a:font script="Yiii" typeface="Microsoft Yi Baiti"/>
+        <a:font script="Tibt" typeface="Microsoft Himalaya"/>
+        <a:font script="Thaa" typeface="MV Boli"/>
+        <a:font script="Deva" typeface="Mangal"/>
+        <a:font script="Telu" typeface="Gautami"/>
+        <a:font script="Taml" typeface="Latha"/>
+        <a:font script="Syrc" typeface="Estrangelo Edessa"/>
+        <a:font script="Orya" typeface="Kalinga"/>
+        <a:font script="Mlym" typeface="Kartika"/>
+        <a:font script="Laoo" typeface="DokChampa"/>
+        <a:font script="Sinh" typeface="Iskoola Pota"/>
+        <a:font script="Mong" typeface="Mongolian Baiti"/>
+        <a:font script="Viet" typeface="Arial"/>
+        <a:font script="Uigh" typeface="Microsoft Uighur"/>
+        <a:font script="Geor" typeface="Sylfaen"/>
+      </a:minorFont>
+    </a:fontScheme>
+    <a:fmtScheme name="Office">
+      <a:fillStyleLst>
+        <a:solidFill>
+          <a:schemeClr val="phClr"/>
+        </a:solidFill>
+        <a:gradFill rotWithShape="1">
+          <a:gsLst>
+            <a:gs pos="0">
+              <a:schemeClr val="phClr">
+                <a:tint val="50000"/>
+                <a:satMod val="300000"/>
+              </a:schemeClr>
+            </a:gs>
+            <a:gs pos="35000">
+              <a:schemeClr val="phClr">
+                <a:tint val="37000"/>
+                <a:satMod val="300000"/>
+              </a:schemeClr>
+            </a:gs>
+            <a:gs pos="100000">
+              <a:schemeClr val="phClr">
+                <a:tint val="15000"/>
+                <a:satMod val="350000"/>
+              </a:schemeClr>
+            </a:gs>
+          </a:gsLst>
+          <a:lin ang="16200000" scaled="1"/>
+        </a:gradFill>
+        <a:gradFill rotWithShape="1">
+          <a:gsLst>
+            <a:gs pos="0">
+              <a:schemeClr val="phClr">
+                <a:tint val="100000"/>
+                <a:shade val="100000"/>
+                <a:satMod val="130000"/>
+              </a:schemeClr>
+            </a:gs>
+            <a:gs pos="100000">
+              <a:schemeClr val="phClr">
+                <a:tint val="50000"/>
+                <a:shade val="100000"/>
+                <a:satMod val="350000"/>
+              </a:schemeClr>
+            </a:gs>
+          </a:gsLst>
+          <a:lin ang="16200000" scaled="0"/>
+        </a:gradFill>
+      </a:fillStyleLst>
+      <a:lnStyleLst>
+        <a:ln w="9525" cap="flat" cmpd="sng" algn="ctr">
+          <a:solidFill>
+            <a:schemeClr val="phClr">
+              <a:shade val="95000"/>
+              <a:satMod val="105000"/>
+            </a:schemeClr>
+          </a:solidFill>
+          <a:prstDash val="solid"/>
+        </a:ln>
+        <a:ln w="25400" cap="flat" cmpd="sng" algn="ctr">
+          <a:solidFill>
+            <a:schemeClr val="phClr"/>
+          </a:solidFill>
+          <a:prstDash val="solid"/>
+        </a:ln>
+        <a:ln w="38100" cap="flat" cmpd="sng" algn="ctr">
+          <a:solidFill>
+            <a:schemeClr val="phClr"/>
+          </a:solidFill>
+          <a:prstDash val="solid"/>
+        </a:ln>
+      </a:lnStyleLst>
+      <a:effectStyleLst>
+        <a:effectStyle>
+          <a:effectLst>
+            <a:outerShdw blurRad="40000" dist="20000" dir="5400000" rotWithShape="0">
+              <a:srgbClr val="000000">
+                <a:alpha val="38000"/>
+              </a:srgbClr>
+            </a:outerShdw>
+          </a:effectLst>
+        </a:effectStyle>
+        <a:effectStyle>
+          <a:effectLst>
+            <a:outerShdw blurRad="40000" dist="23000" dir="5400000" rotWithShape="0">
+              <a:srgbClr val="000000">
+                <a:alpha val="35000"/>
+              </a:srgbClr>
+            </a:outerShdw>
+          </a:effectLst>
+        </a:effectStyle>
+        <a:effectStyle>
+          <a:effectLst>
+            <a:outerShdw blurRad="40000" dist="23000" dir="5400000" rotWithShape="0">
+              <a:srgbClr val="000000">
+                <a:alpha val="35000"/>
+              </a:srgbClr>
+            </a:outerShdw>
+          </a:effectLst>
+          <a:scene3d>
+            <a:camera prst="orthographicFront">
+              <a:rot lat="0" lon="0" rev="0"/>
+            </a:camera>
+            <a:lightRig rig="threePt" dir="t">
+              <a:rot lat="0" lon="0" rev="1200000"/>
+            </a:lightRig>
+          </a:scene3d>
+          <a:sp3d>
+            <a:bevelT w="63500" h="25400"/>
+          </a:sp3d>
+        </a:effectStyle>
+      </a:effectStyleLst>
+      <a:bgFillStyleLst>
+        <a:solidFill>
+          <a:schemeClr val="phClr"/>
+        </a:solidFill>
+        <a:gradFill rotWithShape="1">
+          <a:gsLst>
+            <a:gs pos="0">
+              <a:schemeClr val="phClr">
+                <a:tint val="40000"/>
+                <a:satMod val="350000"/>
+              </a:schemeClr>
+            </a:gs>
+            <a:gs pos="40000">
+              <a:schemeClr val="phClr">
+                <a:tint val="45000"/>
+                <a:shade val="99000"/>
+                <a:satMod val="350000"/>
+              </a:schemeClr>
+            </a:gs>
+            <a:gs pos="100000">
+              <a:schemeClr val="phClr">
+                <a:shade val="20000"/>
+                <a:satMod val="255000"/>
+              </a:schemeClr>
+            </a:gs>
+          </a:gsLst>
+          <a:path path="circle">
+            <a:fillToRect l="50000" t="-80000" r="50000" b="180000"/>
+          </a:path>
+        </a:gradFill>
+        <a:gradFill rotWithShape="1">
+          <a:gsLst>
+            <a:gs pos="0">
+              <a:schemeClr val="phClr">
+                <a:tint val="80000"/>
+                <a:satMod val="300000"/>
+              </a:schemeClr>
+            </a:gs>
+            <a:gs pos="100000">
+              <a:schemeClr val="phClr">
+                <a:shade val="30000"/>
+                <a:satMod val="200000"/>
+              </a:schemeClr>
+            </a:gs>
+          </a:gsLst>
+          <a:path path="circle">
+            <a:fillToRect l="50000" t="50000" r="50000" b="50000"/>
+          </a:path>
+        </a:gradFill>
+      </a:bgFillStyleLst>
+    </a:fmtScheme>
+  </a:themeElements>
+</a:theme>
+</file>
+
+<file path=ppt/theme/theme2.xml><?xml version="1.0" encoding="utf-8"?>
 <a:theme xmlns:a="http://schemas.openxmlformats.org/drawingml/2006/main" xmlns:r="http://schemas.openxmlformats.org/officeDocument/2006/relationships" name="Custom Theme">
   <a:themeElements>
     <a:clrScheme name="Default">
@@ -7612,283 +8040,4 @@
     </a:fmtScheme>
   </a:themeElements>
 </a:theme>
-</file>
-
-<file path=ppt/theme/theme2.xml><?xml version="1.0" encoding="utf-8"?>
-<a:theme xmlns:a="http://schemas.openxmlformats.org/drawingml/2006/main" xmlns:r="http://schemas.openxmlformats.org/officeDocument/2006/relationships" name="simple-dark-2">
-  <a:themeElements>
-    <a:clrScheme name="Simple Dark">
-      <a:dk1>
-        <a:srgbClr val="FFFFFF"/>
-      </a:dk1>
-      <a:lt1>
-        <a:srgbClr val="212121"/>
-      </a:lt1>
-      <a:dk2>
-        <a:srgbClr val="303030"/>
-      </a:dk2>
-      <a:lt2>
-        <a:srgbClr val="ADADAD"/>
-      </a:lt2>
-      <a:accent1>
-        <a:srgbClr val="009688"/>
-      </a:accent1>
-      <a:accent2>
-        <a:srgbClr val="EEEEEE"/>
-      </a:accent2>
-      <a:accent3>
-        <a:srgbClr val="78909C"/>
-      </a:accent3>
-      <a:accent4>
-        <a:srgbClr val="FFAB40"/>
-      </a:accent4>
-      <a:accent5>
-        <a:srgbClr val="4DD0E1"/>
-      </a:accent5>
-      <a:accent6>
-        <a:srgbClr val="EEFF41"/>
-      </a:accent6>
-      <a:hlink>
-        <a:srgbClr val="4DD0E1"/>
-      </a:hlink>
-      <a:folHlink>
-        <a:srgbClr val="4DD0E1"/>
-      </a:folHlink>
-    </a:clrScheme>
-    <a:fontScheme name="Office">
-      <a:majorFont>
-        <a:latin typeface="Arial"/>
-        <a:ea typeface=""/>
-        <a:cs typeface=""/>
-        <a:font script="Jpan" typeface="ＭＳ Ｐゴシック"/>
-        <a:font script="Hang" typeface="맑은 고딕"/>
-        <a:font script="Hans" typeface="宋体"/>
-        <a:font script="Hant" typeface="新細明體"/>
-        <a:font script="Arab" typeface="Times New Roman"/>
-        <a:font script="Hebr" typeface="Times New Roman"/>
-        <a:font script="Thai" typeface="Angsana New"/>
-        <a:font script="Ethi" typeface="Nyala"/>
-        <a:font script="Beng" typeface="Vrinda"/>
-        <a:font script="Gujr" typeface="Shruti"/>
-        <a:font script="Khmr" typeface="MoolBoran"/>
-        <a:font script="Knda" typeface="Tunga"/>
-        <a:font script="Guru" typeface="Raavi"/>
-        <a:font script="Cans" typeface="Euphemia"/>
-        <a:font script="Cher" typeface="Plantagenet Cherokee"/>
-        <a:font script="Yiii" typeface="Microsoft Yi Baiti"/>
-        <a:font script="Tibt" typeface="Microsoft Himalaya"/>
-        <a:font script="Thaa" typeface="MV Boli"/>
-        <a:font script="Deva" typeface="Mangal"/>
-        <a:font script="Telu" typeface="Gautami"/>
-        <a:font script="Taml" typeface="Latha"/>
-        <a:font script="Syrc" typeface="Estrangelo Edessa"/>
-        <a:font script="Orya" typeface="Kalinga"/>
-        <a:font script="Mlym" typeface="Kartika"/>
-        <a:font script="Laoo" typeface="DokChampa"/>
-        <a:font script="Sinh" typeface="Iskoola Pota"/>
-        <a:font script="Mong" typeface="Mongolian Baiti"/>
-        <a:font script="Viet" typeface="Times New Roman"/>
-        <a:font script="Uigh" typeface="Microsoft Uighur"/>
-        <a:font script="Geor" typeface="Sylfaen"/>
-      </a:majorFont>
-      <a:minorFont>
-        <a:latin typeface="Arial"/>
-        <a:ea typeface=""/>
-        <a:cs typeface=""/>
-        <a:font script="Jpan" typeface="ＭＳ Ｐゴシック"/>
-        <a:font script="Hang" typeface="맑은 고딕"/>
-        <a:font script="Hans" typeface="宋体"/>
-        <a:font script="Hant" typeface="新細明體"/>
-        <a:font script="Arab" typeface="Arial"/>
-        <a:font script="Hebr" typeface="Arial"/>
-        <a:font script="Thai" typeface="Cordia New"/>
-        <a:font script="Ethi" typeface="Nyala"/>
-        <a:font script="Beng" typeface="Vrinda"/>
-        <a:font script="Gujr" typeface="Shruti"/>
-        <a:font script="Khmr" typeface="DaunPenh"/>
-        <a:font script="Knda" typeface="Tunga"/>
-        <a:font script="Guru" typeface="Raavi"/>
-        <a:font script="Cans" typeface="Euphemia"/>
-        <a:font script="Cher" typeface="Plantagenet Cherokee"/>
-        <a:font script="Yiii" typeface="Microsoft Yi Baiti"/>
-        <a:font script="Tibt" typeface="Microsoft Himalaya"/>
-        <a:font script="Thaa" typeface="MV Boli"/>
-        <a:font script="Deva" typeface="Mangal"/>
-        <a:font script="Telu" typeface="Gautami"/>
-        <a:font script="Taml" typeface="Latha"/>
-        <a:font script="Syrc" typeface="Estrangelo Edessa"/>
-        <a:font script="Orya" typeface="Kalinga"/>
-        <a:font script="Mlym" typeface="Kartika"/>
-        <a:font script="Laoo" typeface="DokChampa"/>
-        <a:font script="Sinh" typeface="Iskoola Pota"/>
-        <a:font script="Mong" typeface="Mongolian Baiti"/>
-        <a:font script="Viet" typeface="Arial"/>
-        <a:font script="Uigh" typeface="Microsoft Uighur"/>
-        <a:font script="Geor" typeface="Sylfaen"/>
-      </a:minorFont>
-    </a:fontScheme>
-    <a:fmtScheme name="Office">
-      <a:fillStyleLst>
-        <a:solidFill>
-          <a:schemeClr val="phClr"/>
-        </a:solidFill>
-        <a:gradFill rotWithShape="1">
-          <a:gsLst>
-            <a:gs pos="0">
-              <a:schemeClr val="phClr">
-                <a:tint val="50000"/>
-                <a:satMod val="300000"/>
-              </a:schemeClr>
-            </a:gs>
-            <a:gs pos="35000">
-              <a:schemeClr val="phClr">
-                <a:tint val="37000"/>
-                <a:satMod val="300000"/>
-              </a:schemeClr>
-            </a:gs>
-            <a:gs pos="100000">
-              <a:schemeClr val="phClr">
-                <a:tint val="15000"/>
-                <a:satMod val="350000"/>
-              </a:schemeClr>
-            </a:gs>
-          </a:gsLst>
-          <a:lin ang="16200000" scaled="1"/>
-        </a:gradFill>
-        <a:gradFill rotWithShape="1">
-          <a:gsLst>
-            <a:gs pos="0">
-              <a:schemeClr val="phClr">
-                <a:tint val="100000"/>
-                <a:shade val="100000"/>
-                <a:satMod val="130000"/>
-              </a:schemeClr>
-            </a:gs>
-            <a:gs pos="100000">
-              <a:schemeClr val="phClr">
-                <a:tint val="50000"/>
-                <a:shade val="100000"/>
-                <a:satMod val="350000"/>
-              </a:schemeClr>
-            </a:gs>
-          </a:gsLst>
-          <a:lin ang="16200000" scaled="0"/>
-        </a:gradFill>
-      </a:fillStyleLst>
-      <a:lnStyleLst>
-        <a:ln w="9525" cap="flat" cmpd="sng" algn="ctr">
-          <a:solidFill>
-            <a:schemeClr val="phClr">
-              <a:shade val="95000"/>
-              <a:satMod val="105000"/>
-            </a:schemeClr>
-          </a:solidFill>
-          <a:prstDash val="solid"/>
-        </a:ln>
-        <a:ln w="25400" cap="flat" cmpd="sng" algn="ctr">
-          <a:solidFill>
-            <a:schemeClr val="phClr"/>
-          </a:solidFill>
-          <a:prstDash val="solid"/>
-        </a:ln>
-        <a:ln w="38100" cap="flat" cmpd="sng" algn="ctr">
-          <a:solidFill>
-            <a:schemeClr val="phClr"/>
-          </a:solidFill>
-          <a:prstDash val="solid"/>
-        </a:ln>
-      </a:lnStyleLst>
-      <a:effectStyleLst>
-        <a:effectStyle>
-          <a:effectLst>
-            <a:outerShdw blurRad="40000" dist="20000" dir="5400000" rotWithShape="0">
-              <a:srgbClr val="000000">
-                <a:alpha val="38000"/>
-              </a:srgbClr>
-            </a:outerShdw>
-          </a:effectLst>
-        </a:effectStyle>
-        <a:effectStyle>
-          <a:effectLst>
-            <a:outerShdw blurRad="40000" dist="23000" dir="5400000" rotWithShape="0">
-              <a:srgbClr val="000000">
-                <a:alpha val="35000"/>
-              </a:srgbClr>
-            </a:outerShdw>
-          </a:effectLst>
-        </a:effectStyle>
-        <a:effectStyle>
-          <a:effectLst>
-            <a:outerShdw blurRad="40000" dist="23000" dir="5400000" rotWithShape="0">
-              <a:srgbClr val="000000">
-                <a:alpha val="35000"/>
-              </a:srgbClr>
-            </a:outerShdw>
-          </a:effectLst>
-          <a:scene3d>
-            <a:camera prst="orthographicFront">
-              <a:rot lat="0" lon="0" rev="0"/>
-            </a:camera>
-            <a:lightRig rig="threePt" dir="t">
-              <a:rot lat="0" lon="0" rev="1200000"/>
-            </a:lightRig>
-          </a:scene3d>
-          <a:sp3d>
-            <a:bevelT w="63500" h="25400"/>
-          </a:sp3d>
-        </a:effectStyle>
-      </a:effectStyleLst>
-      <a:bgFillStyleLst>
-        <a:solidFill>
-          <a:schemeClr val="phClr"/>
-        </a:solidFill>
-        <a:gradFill rotWithShape="1">
-          <a:gsLst>
-            <a:gs pos="0">
-              <a:schemeClr val="phClr">
-                <a:tint val="40000"/>
-                <a:satMod val="350000"/>
-              </a:schemeClr>
-            </a:gs>
-            <a:gs pos="40000">
-              <a:schemeClr val="phClr">
-                <a:tint val="45000"/>
-                <a:shade val="99000"/>
-                <a:satMod val="350000"/>
-              </a:schemeClr>
-            </a:gs>
-            <a:gs pos="100000">
-              <a:schemeClr val="phClr">
-                <a:shade val="20000"/>
-                <a:satMod val="255000"/>
-              </a:schemeClr>
-            </a:gs>
-          </a:gsLst>
-          <a:path path="circle">
-            <a:fillToRect l="50000" t="-80000" r="50000" b="180000"/>
-          </a:path>
-        </a:gradFill>
-        <a:gradFill rotWithShape="1">
-          <a:gsLst>
-            <a:gs pos="0">
-              <a:schemeClr val="phClr">
-                <a:tint val="80000"/>
-                <a:satMod val="300000"/>
-              </a:schemeClr>
-            </a:gs>
-            <a:gs pos="100000">
-              <a:schemeClr val="phClr">
-                <a:shade val="30000"/>
-                <a:satMod val="200000"/>
-              </a:schemeClr>
-            </a:gs>
-          </a:gsLst>
-          <a:path path="circle">
-            <a:fillToRect l="50000" t="50000" r="50000" b="50000"/>
-          </a:path>
-        </a:gradFill>
-      </a:bgFillStyleLst>
-    </a:fmtScheme>
-  </a:themeElements>
-</a:theme>
 </file>